--- a/clinicaltrials_analysis.pptx
+++ b/clinicaltrials_analysis.pptx
@@ -5,7 +5,7 @@
     <p:sldMasterId id="2147483744" r:id="rId1"/>
   </p:sldMasterIdLst>
   <p:notesMasterIdLst>
-    <p:notesMasterId r:id="rId16"/>
+    <p:notesMasterId r:id="rId17"/>
   </p:notesMasterIdLst>
   <p:sldIdLst>
     <p:sldId id="256" r:id="rId2"/>
@@ -14,14 +14,15 @@
     <p:sldId id="258" r:id="rId5"/>
     <p:sldId id="259" r:id="rId6"/>
     <p:sldId id="260" r:id="rId7"/>
-    <p:sldId id="261" r:id="rId8"/>
-    <p:sldId id="262" r:id="rId9"/>
-    <p:sldId id="263" r:id="rId10"/>
-    <p:sldId id="264" r:id="rId11"/>
-    <p:sldId id="267" r:id="rId12"/>
-    <p:sldId id="265" r:id="rId13"/>
-    <p:sldId id="266" r:id="rId14"/>
-    <p:sldId id="269" r:id="rId15"/>
+    <p:sldId id="270" r:id="rId8"/>
+    <p:sldId id="261" r:id="rId9"/>
+    <p:sldId id="262" r:id="rId10"/>
+    <p:sldId id="263" r:id="rId11"/>
+    <p:sldId id="264" r:id="rId12"/>
+    <p:sldId id="267" r:id="rId13"/>
+    <p:sldId id="265" r:id="rId14"/>
+    <p:sldId id="266" r:id="rId15"/>
+    <p:sldId id="269" r:id="rId16"/>
   </p:sldIdLst>
   <p:sldSz cx="12192000" cy="6858000"/>
   <p:notesSz cx="6858000" cy="9144000"/>
@@ -3972,6 +3973,99 @@
           <p:cNvPr id="2" name="Title 1">
             <a:extLst>
               <a:ext uri="{FF2B5EF4-FFF2-40B4-BE49-F238E27FC236}">
+                <a16:creationId xmlns:a16="http://schemas.microsoft.com/office/drawing/2014/main" id="{A6F0B0CB-33F0-D749-880B-9B7929807D80}"/>
+              </a:ext>
+            </a:extLst>
+          </p:cNvPr>
+          <p:cNvSpPr>
+            <a:spLocks noGrp="1"/>
+          </p:cNvSpPr>
+          <p:nvPr>
+            <p:ph type="title"/>
+          </p:nvPr>
+        </p:nvSpPr>
+        <p:spPr/>
+        <p:txBody>
+          <a:bodyPr/>
+          <a:lstStyle/>
+          <a:p>
+            <a:r>
+              <a:rPr lang="en-US" dirty="0"/>
+              <a:t>graph</a:t>
+            </a:r>
+          </a:p>
+        </p:txBody>
+      </p:sp>
+      <p:pic>
+        <p:nvPicPr>
+          <p:cNvPr id="4" name="Picture 3" descr="code snippet with visualization" title="code snippet with visualization">
+            <a:extLst>
+              <a:ext uri="{FF2B5EF4-FFF2-40B4-BE49-F238E27FC236}">
+                <a16:creationId xmlns:a16="http://schemas.microsoft.com/office/drawing/2014/main" id="{B5FAE0D8-9AA3-F240-9601-121757C380BD}"/>
+              </a:ext>
+            </a:extLst>
+          </p:cNvPr>
+          <p:cNvPicPr>
+            <a:picLocks noChangeAspect="1"/>
+          </p:cNvPicPr>
+          <p:nvPr/>
+        </p:nvPicPr>
+        <p:blipFill>
+          <a:blip r:embed="rId2"/>
+          <a:stretch>
+            <a:fillRect/>
+          </a:stretch>
+        </p:blipFill>
+        <p:spPr>
+          <a:xfrm>
+            <a:off x="464095" y="470881"/>
+            <a:ext cx="11331062" cy="5852160"/>
+          </a:xfrm>
+          <a:prstGeom prst="rect">
+            <a:avLst/>
+          </a:prstGeom>
+          <a:ln w="12700">
+            <a:solidFill>
+              <a:schemeClr val="tx1"/>
+            </a:solidFill>
+          </a:ln>
+        </p:spPr>
+      </p:pic>
+    </p:spTree>
+    <p:extLst>
+      <p:ext uri="{BB962C8B-B14F-4D97-AF65-F5344CB8AC3E}">
+        <p14:creationId xmlns:p14="http://schemas.microsoft.com/office/powerpoint/2010/main" val="3236139298"/>
+      </p:ext>
+    </p:extLst>
+  </p:cSld>
+  <p:clrMapOvr>
+    <a:masterClrMapping/>
+  </p:clrMapOvr>
+</p:sld>
+</file>
+
+<file path=ppt/slides/slide11.xml><?xml version="1.0" encoding="utf-8"?>
+<p:sld xmlns:a="http://schemas.openxmlformats.org/drawingml/2006/main" xmlns:r="http://schemas.openxmlformats.org/officeDocument/2006/relationships" xmlns:p="http://schemas.openxmlformats.org/presentationml/2006/main">
+  <p:cSld>
+    <p:spTree>
+      <p:nvGrpSpPr>
+        <p:cNvPr id="1" name=""/>
+        <p:cNvGrpSpPr/>
+        <p:nvPr/>
+      </p:nvGrpSpPr>
+      <p:grpSpPr>
+        <a:xfrm>
+          <a:off x="0" y="0"/>
+          <a:ext cx="0" cy="0"/>
+          <a:chOff x="0" y="0"/>
+          <a:chExt cx="0" cy="0"/>
+        </a:xfrm>
+      </p:grpSpPr>
+      <p:sp>
+        <p:nvSpPr>
+          <p:cNvPr id="2" name="Title 1">
+            <a:extLst>
+              <a:ext uri="{FF2B5EF4-FFF2-40B4-BE49-F238E27FC236}">
                 <a16:creationId xmlns:a16="http://schemas.microsoft.com/office/drawing/2014/main" id="{1C691D73-219A-C846-8450-820E158D31EE}"/>
               </a:ext>
             </a:extLst>
@@ -4002,7 +4096,7 @@
       </p:sp>
       <p:pic>
         <p:nvPicPr>
-          <p:cNvPr id="4" name="Picture 3">
+          <p:cNvPr id="4" name="Picture 3" descr="code snippet screen shot 4" title="code snippet screen shot 4">
             <a:extLst>
               <a:ext uri="{FF2B5EF4-FFF2-40B4-BE49-F238E27FC236}">
                 <a16:creationId xmlns:a16="http://schemas.microsoft.com/office/drawing/2014/main" id="{6205E71B-2D23-8546-BCBA-CBDF4611004A}"/>
@@ -4048,135 +4142,6 @@
 </p:sld>
 </file>
 
-<file path=ppt/slides/slide11.xml><?xml version="1.0" encoding="utf-8"?>
-<p:sld xmlns:a="http://schemas.openxmlformats.org/drawingml/2006/main" xmlns:r="http://schemas.openxmlformats.org/officeDocument/2006/relationships" xmlns:p="http://schemas.openxmlformats.org/presentationml/2006/main">
-  <p:cSld>
-    <p:spTree>
-      <p:nvGrpSpPr>
-        <p:cNvPr id="1" name=""/>
-        <p:cNvGrpSpPr/>
-        <p:nvPr/>
-      </p:nvGrpSpPr>
-      <p:grpSpPr>
-        <a:xfrm>
-          <a:off x="0" y="0"/>
-          <a:ext cx="0" cy="0"/>
-          <a:chOff x="0" y="0"/>
-          <a:chExt cx="0" cy="0"/>
-        </a:xfrm>
-      </p:grpSpPr>
-      <p:sp>
-        <p:nvSpPr>
-          <p:cNvPr id="2" name="Title 1">
-            <a:extLst>
-              <a:ext uri="{FF2B5EF4-FFF2-40B4-BE49-F238E27FC236}">
-                <a16:creationId xmlns:a16="http://schemas.microsoft.com/office/drawing/2014/main" id="{96C3E600-D4E0-5F43-956C-C19CEAEFF304}"/>
-              </a:ext>
-            </a:extLst>
-          </p:cNvPr>
-          <p:cNvSpPr>
-            <a:spLocks noGrp="1"/>
-          </p:cNvSpPr>
-          <p:nvPr>
-            <p:ph type="title"/>
-          </p:nvPr>
-        </p:nvSpPr>
-        <p:spPr/>
-        <p:txBody>
-          <a:bodyPr/>
-          <a:lstStyle/>
-          <a:p>
-            <a:r>
-              <a:rPr lang="en-US" dirty="0"/>
-              <a:t>Future project plans</a:t>
-            </a:r>
-          </a:p>
-        </p:txBody>
-      </p:sp>
-      <p:sp>
-        <p:nvSpPr>
-          <p:cNvPr id="5" name="Content Placeholder 4">
-            <a:extLst>
-              <a:ext uri="{FF2B5EF4-FFF2-40B4-BE49-F238E27FC236}">
-                <a16:creationId xmlns:a16="http://schemas.microsoft.com/office/drawing/2014/main" id="{86ECB0D6-FFA0-374B-8D47-A10AF329DAC0}"/>
-              </a:ext>
-            </a:extLst>
-          </p:cNvPr>
-          <p:cNvSpPr>
-            <a:spLocks noGrp="1"/>
-          </p:cNvSpPr>
-          <p:nvPr>
-            <p:ph idx="1"/>
-          </p:nvPr>
-        </p:nvSpPr>
-        <p:spPr>
-          <a:solidFill>
-            <a:schemeClr val="bg1"/>
-          </a:solidFill>
-          <a:ln w="12700">
-            <a:solidFill>
-              <a:schemeClr val="tx1"/>
-            </a:solidFill>
-          </a:ln>
-        </p:spPr>
-        <p:txBody>
-          <a:bodyPr anchor="ctr">
-            <a:normAutofit/>
-          </a:bodyPr>
-          <a:lstStyle/>
-          <a:p>
-            <a:pPr marL="342900" indent="-342900">
-              <a:buFont typeface="Arial" panose="020B0604020202020204" pitchFamily="34" charset="0"/>
-              <a:buChar char="•"/>
-            </a:pPr>
-            <a:r>
-              <a:rPr lang="en-US" sz="2800" dirty="0"/>
-              <a:t>Contact </a:t>
-            </a:r>
-            <a:r>
-              <a:rPr lang="en-US" sz="2800" dirty="0" err="1"/>
-              <a:t>ClinicalTrials.gov</a:t>
-            </a:r>
-            <a:r>
-              <a:rPr lang="en-US" sz="2800" dirty="0"/>
-              <a:t> collaborators regarding findings to ask questions about data</a:t>
-            </a:r>
-          </a:p>
-          <a:p>
-            <a:pPr marL="342900" indent="-342900">
-              <a:buFont typeface="Arial" panose="020B0604020202020204" pitchFamily="34" charset="0"/>
-              <a:buChar char="•"/>
-            </a:pPr>
-            <a:r>
-              <a:rPr lang="en-US" sz="2800" dirty="0"/>
-              <a:t>Analyze additional data to determine why so many PIs don’t intend to share</a:t>
-            </a:r>
-          </a:p>
-          <a:p>
-            <a:pPr marL="342900" indent="-342900">
-              <a:buFont typeface="Arial" panose="020B0604020202020204" pitchFamily="34" charset="0"/>
-              <a:buChar char="•"/>
-            </a:pPr>
-            <a:r>
-              <a:rPr lang="en-US" sz="2800" dirty="0"/>
-              <a:t>Analyze topics or keywords of studies where PIs do intend to share data</a:t>
-            </a:r>
-          </a:p>
-        </p:txBody>
-      </p:sp>
-    </p:spTree>
-    <p:extLst>
-      <p:ext uri="{BB962C8B-B14F-4D97-AF65-F5344CB8AC3E}">
-        <p14:creationId xmlns:p14="http://schemas.microsoft.com/office/powerpoint/2010/main" val="2221363218"/>
-      </p:ext>
-    </p:extLst>
-  </p:cSld>
-  <p:clrMapOvr>
-    <a:masterClrMapping/>
-  </p:clrMapOvr>
-</p:sld>
-</file>
-
 <file path=ppt/slides/slide12.xml><?xml version="1.0" encoding="utf-8"?>
 <p:sld xmlns:a="http://schemas.openxmlformats.org/drawingml/2006/main" xmlns:r="http://schemas.openxmlformats.org/officeDocument/2006/relationships" xmlns:p="http://schemas.openxmlformats.org/presentationml/2006/main">
   <p:cSld>
@@ -4199,6 +4164,135 @@
           <p:cNvPr id="2" name="Title 1">
             <a:extLst>
               <a:ext uri="{FF2B5EF4-FFF2-40B4-BE49-F238E27FC236}">
+                <a16:creationId xmlns:a16="http://schemas.microsoft.com/office/drawing/2014/main" id="{96C3E600-D4E0-5F43-956C-C19CEAEFF304}"/>
+              </a:ext>
+            </a:extLst>
+          </p:cNvPr>
+          <p:cNvSpPr>
+            <a:spLocks noGrp="1"/>
+          </p:cNvSpPr>
+          <p:nvPr>
+            <p:ph type="title"/>
+          </p:nvPr>
+        </p:nvSpPr>
+        <p:spPr/>
+        <p:txBody>
+          <a:bodyPr/>
+          <a:lstStyle/>
+          <a:p>
+            <a:r>
+              <a:rPr lang="en-US" dirty="0"/>
+              <a:t>Future project plans</a:t>
+            </a:r>
+          </a:p>
+        </p:txBody>
+      </p:sp>
+      <p:sp>
+        <p:nvSpPr>
+          <p:cNvPr id="5" name="Content Placeholder 4" descr="project future plan bullets" title="project future plan bullets">
+            <a:extLst>
+              <a:ext uri="{FF2B5EF4-FFF2-40B4-BE49-F238E27FC236}">
+                <a16:creationId xmlns:a16="http://schemas.microsoft.com/office/drawing/2014/main" id="{86ECB0D6-FFA0-374B-8D47-A10AF329DAC0}"/>
+              </a:ext>
+            </a:extLst>
+          </p:cNvPr>
+          <p:cNvSpPr>
+            <a:spLocks noGrp="1"/>
+          </p:cNvSpPr>
+          <p:nvPr>
+            <p:ph idx="1"/>
+          </p:nvPr>
+        </p:nvSpPr>
+        <p:spPr>
+          <a:solidFill>
+            <a:schemeClr val="bg1"/>
+          </a:solidFill>
+          <a:ln w="12700">
+            <a:solidFill>
+              <a:schemeClr val="tx1"/>
+            </a:solidFill>
+          </a:ln>
+        </p:spPr>
+        <p:txBody>
+          <a:bodyPr anchor="ctr">
+            <a:normAutofit/>
+          </a:bodyPr>
+          <a:lstStyle/>
+          <a:p>
+            <a:pPr marL="342900" indent="-342900">
+              <a:buFont typeface="Arial" panose="020B0604020202020204" pitchFamily="34" charset="0"/>
+              <a:buChar char="•"/>
+            </a:pPr>
+            <a:r>
+              <a:rPr lang="en-US" sz="2800" dirty="0"/>
+              <a:t>Contact </a:t>
+            </a:r>
+            <a:r>
+              <a:rPr lang="en-US" sz="2800" dirty="0" err="1"/>
+              <a:t>ClinicalTrials.gov</a:t>
+            </a:r>
+            <a:r>
+              <a:rPr lang="en-US" sz="2800" dirty="0"/>
+              <a:t> collaborators regarding findings to ask questions about data</a:t>
+            </a:r>
+          </a:p>
+          <a:p>
+            <a:pPr marL="342900" indent="-342900">
+              <a:buFont typeface="Arial" panose="020B0604020202020204" pitchFamily="34" charset="0"/>
+              <a:buChar char="•"/>
+            </a:pPr>
+            <a:r>
+              <a:rPr lang="en-US" sz="2800" dirty="0"/>
+              <a:t>Analyze additional data to determine why so many PIs don’t intend to share</a:t>
+            </a:r>
+          </a:p>
+          <a:p>
+            <a:pPr marL="342900" indent="-342900">
+              <a:buFont typeface="Arial" panose="020B0604020202020204" pitchFamily="34" charset="0"/>
+              <a:buChar char="•"/>
+            </a:pPr>
+            <a:r>
+              <a:rPr lang="en-US" sz="2800" dirty="0"/>
+              <a:t>Analyze topics or keywords of studies where PIs do intend to share data</a:t>
+            </a:r>
+          </a:p>
+        </p:txBody>
+      </p:sp>
+    </p:spTree>
+    <p:extLst>
+      <p:ext uri="{BB962C8B-B14F-4D97-AF65-F5344CB8AC3E}">
+        <p14:creationId xmlns:p14="http://schemas.microsoft.com/office/powerpoint/2010/main" val="2221363218"/>
+      </p:ext>
+    </p:extLst>
+  </p:cSld>
+  <p:clrMapOvr>
+    <a:masterClrMapping/>
+  </p:clrMapOvr>
+</p:sld>
+</file>
+
+<file path=ppt/slides/slide13.xml><?xml version="1.0" encoding="utf-8"?>
+<p:sld xmlns:a="http://schemas.openxmlformats.org/drawingml/2006/main" xmlns:r="http://schemas.openxmlformats.org/officeDocument/2006/relationships" xmlns:p="http://schemas.openxmlformats.org/presentationml/2006/main">
+  <p:cSld>
+    <p:spTree>
+      <p:nvGrpSpPr>
+        <p:cNvPr id="1" name=""/>
+        <p:cNvGrpSpPr/>
+        <p:nvPr/>
+      </p:nvGrpSpPr>
+      <p:grpSpPr>
+        <a:xfrm>
+          <a:off x="0" y="0"/>
+          <a:ext cx="0" cy="0"/>
+          <a:chOff x="0" y="0"/>
+          <a:chExt cx="0" cy="0"/>
+        </a:xfrm>
+      </p:grpSpPr>
+      <p:sp>
+        <p:nvSpPr>
+          <p:cNvPr id="2" name="Title 1">
+            <a:extLst>
+              <a:ext uri="{FF2B5EF4-FFF2-40B4-BE49-F238E27FC236}">
                 <a16:creationId xmlns:a16="http://schemas.microsoft.com/office/drawing/2014/main" id="{03FBFF00-0E83-F841-9ADC-92235BFB697C}"/>
               </a:ext>
             </a:extLst>
@@ -4224,7 +4318,7 @@
       </p:sp>
       <p:pic>
         <p:nvPicPr>
-          <p:cNvPr id="4" name="Picture 3">
+          <p:cNvPr id="4" name="Picture 3" descr="code snippet 5" title="code snippet 5">
             <a:extLst>
               <a:ext uri="{FF2B5EF4-FFF2-40B4-BE49-F238E27FC236}">
                 <a16:creationId xmlns:a16="http://schemas.microsoft.com/office/drawing/2014/main" id="{471952B7-201C-CE4B-87B5-60090598EF9C}"/>
@@ -4270,7 +4364,7 @@
 </p:sld>
 </file>
 
-<file path=ppt/slides/slide13.xml><?xml version="1.0" encoding="utf-8"?>
+<file path=ppt/slides/slide14.xml><?xml version="1.0" encoding="utf-8"?>
 <p:sld xmlns:a="http://schemas.openxmlformats.org/drawingml/2006/main" xmlns:r="http://schemas.openxmlformats.org/officeDocument/2006/relationships" xmlns:p="http://schemas.openxmlformats.org/presentationml/2006/main">
   <p:cSld>
     <p:spTree>
@@ -4317,7 +4411,7 @@
       </p:sp>
       <p:pic>
         <p:nvPicPr>
-          <p:cNvPr id="4" name="Picture 3">
+          <p:cNvPr id="4" name="Picture 3" descr="mesh keywords frequency" title="mesh keywords frequency">
             <a:extLst>
               <a:ext uri="{FF2B5EF4-FFF2-40B4-BE49-F238E27FC236}">
                 <a16:creationId xmlns:a16="http://schemas.microsoft.com/office/drawing/2014/main" id="{D258216E-2FC1-5E42-840D-C2EB1D6E2657}"/>
@@ -4363,7 +4457,7 @@
 </p:sld>
 </file>
 
-<file path=ppt/slides/slide14.xml><?xml version="1.0" encoding="utf-8"?>
+<file path=ppt/slides/slide15.xml><?xml version="1.0" encoding="utf-8"?>
 <p:sld xmlns:a="http://schemas.openxmlformats.org/drawingml/2006/main" xmlns:r="http://schemas.openxmlformats.org/officeDocument/2006/relationships" xmlns:p="http://schemas.openxmlformats.org/presentationml/2006/main">
   <p:cSld>
     <p:spTree>
@@ -4407,7 +4501,7 @@
           <a:lstStyle/>
           <a:p>
             <a:r>
-              <a:rPr lang="en-US"/>
+              <a:rPr lang="en-US" dirty="0"/>
               <a:t>Thank you!</a:t>
             </a:r>
           </a:p>
@@ -4608,7 +4702,7 @@
       </p:sp>
       <p:pic>
         <p:nvPicPr>
-          <p:cNvPr id="7" name="Picture 6">
+          <p:cNvPr id="7" name="Picture 6" descr="clinicaltrials.gov homepage screenshot" title="clinicaltrials.gov homepage screenshot">
             <a:extLst>
               <a:ext uri="{FF2B5EF4-FFF2-40B4-BE49-F238E27FC236}">
                 <a16:creationId xmlns:a16="http://schemas.microsoft.com/office/drawing/2014/main" id="{DCF8C6FC-5FB6-D342-A229-E0CDA80B9EE4}"/>
@@ -4706,7 +4800,7 @@
       </p:sp>
       <p:pic>
         <p:nvPicPr>
-          <p:cNvPr id="4" name="Picture 3">
+          <p:cNvPr id="4" name="Picture 3" descr="aggregate analysis of clinicaltrials.gov (aact) page screen shot" title="aggregate analysis of clinicaltrials.gov (aact) page">
             <a:extLst>
               <a:ext uri="{FF2B5EF4-FFF2-40B4-BE49-F238E27FC236}">
                 <a16:creationId xmlns:a16="http://schemas.microsoft.com/office/drawing/2014/main" id="{431B8C8E-52A0-1D4F-9950-7050C432AFBB}"/>
@@ -4866,7 +4960,7 @@
       </p:sp>
       <p:pic>
         <p:nvPicPr>
-          <p:cNvPr id="4" name="Picture 3">
+          <p:cNvPr id="4" name="Picture 3" descr="code snippet screen shot 1" title="code snippet screen shot 1">
             <a:extLst>
               <a:ext uri="{FF2B5EF4-FFF2-40B4-BE49-F238E27FC236}">
                 <a16:creationId xmlns:a16="http://schemas.microsoft.com/office/drawing/2014/main" id="{E9D52E1E-9791-6540-B7D1-01FD4F3ADFE6}"/>
@@ -4934,6 +5028,93 @@
           <p:cNvPr id="2" name="Title 1">
             <a:extLst>
               <a:ext uri="{FF2B5EF4-FFF2-40B4-BE49-F238E27FC236}">
+                <a16:creationId xmlns:a16="http://schemas.microsoft.com/office/drawing/2014/main" id="{D24C41A9-726F-8947-B1B8-54535262FF74}"/>
+              </a:ext>
+            </a:extLst>
+          </p:cNvPr>
+          <p:cNvSpPr>
+            <a:spLocks noGrp="1"/>
+          </p:cNvSpPr>
+          <p:nvPr>
+            <p:ph type="title"/>
+          </p:nvPr>
+        </p:nvSpPr>
+        <p:spPr/>
+        <p:txBody>
+          <a:bodyPr/>
+          <a:lstStyle/>
+          <a:p>
+            <a:r>
+              <a:rPr lang="en-US" dirty="0"/>
+              <a:t>Results: yes, no, undecided</a:t>
+            </a:r>
+          </a:p>
+        </p:txBody>
+      </p:sp>
+      <p:pic>
+        <p:nvPicPr>
+          <p:cNvPr id="5" name="Content Placeholder 4" descr="results screen shot" title="results screen shot">
+            <a:extLst>
+              <a:ext uri="{FF2B5EF4-FFF2-40B4-BE49-F238E27FC236}">
+                <a16:creationId xmlns:a16="http://schemas.microsoft.com/office/drawing/2014/main" id="{C75FBD85-D8B5-CD43-96AF-C07334FC9108}"/>
+              </a:ext>
+            </a:extLst>
+          </p:cNvPr>
+          <p:cNvPicPr>
+            <a:picLocks noGrp="1" noChangeAspect="1"/>
+          </p:cNvPicPr>
+          <p:nvPr>
+            <p:ph idx="1"/>
+          </p:nvPr>
+        </p:nvPicPr>
+        <p:blipFill>
+          <a:blip r:embed="rId2"/>
+          <a:stretch>
+            <a:fillRect/>
+          </a:stretch>
+        </p:blipFill>
+        <p:spPr>
+          <a:xfrm>
+            <a:off x="996575" y="3066335"/>
+            <a:ext cx="10198851" cy="2834640"/>
+          </a:xfrm>
+        </p:spPr>
+      </p:pic>
+    </p:spTree>
+    <p:extLst>
+      <p:ext uri="{BB962C8B-B14F-4D97-AF65-F5344CB8AC3E}">
+        <p14:creationId xmlns:p14="http://schemas.microsoft.com/office/powerpoint/2010/main" val="2499981287"/>
+      </p:ext>
+    </p:extLst>
+  </p:cSld>
+  <p:clrMapOvr>
+    <a:masterClrMapping/>
+  </p:clrMapOvr>
+</p:sld>
+</file>
+
+<file path=ppt/slides/slide8.xml><?xml version="1.0" encoding="utf-8"?>
+<p:sld xmlns:a="http://schemas.openxmlformats.org/drawingml/2006/main" xmlns:r="http://schemas.openxmlformats.org/officeDocument/2006/relationships" xmlns:p="http://schemas.openxmlformats.org/presentationml/2006/main">
+  <p:cSld>
+    <p:spTree>
+      <p:nvGrpSpPr>
+        <p:cNvPr id="1" name=""/>
+        <p:cNvGrpSpPr/>
+        <p:nvPr/>
+      </p:nvGrpSpPr>
+      <p:grpSpPr>
+        <a:xfrm>
+          <a:off x="0" y="0"/>
+          <a:ext cx="0" cy="0"/>
+          <a:chOff x="0" y="0"/>
+          <a:chExt cx="0" cy="0"/>
+        </a:xfrm>
+      </p:grpSpPr>
+      <p:sp>
+        <p:nvSpPr>
+          <p:cNvPr id="2" name="Title 1">
+            <a:extLst>
+              <a:ext uri="{FF2B5EF4-FFF2-40B4-BE49-F238E27FC236}">
                 <a16:creationId xmlns:a16="http://schemas.microsoft.com/office/drawing/2014/main" id="{961EFD35-65F1-8943-95B1-02D79354EA0F}"/>
               </a:ext>
             </a:extLst>
@@ -4959,7 +5140,7 @@
       </p:sp>
       <p:pic>
         <p:nvPicPr>
-          <p:cNvPr id="4" name="Picture 3">
+          <p:cNvPr id="4" name="Picture 3" descr="code snippet screen shot 2" title="code snippet screen shot 2">
             <a:extLst>
               <a:ext uri="{FF2B5EF4-FFF2-40B4-BE49-F238E27FC236}">
                 <a16:creationId xmlns:a16="http://schemas.microsoft.com/office/drawing/2014/main" id="{7988A707-3360-2940-8925-00B47A7EA4CD}"/>
@@ -5000,7 +5181,7 @@
 </p:sld>
 </file>
 
-<file path=ppt/slides/slide8.xml><?xml version="1.0" encoding="utf-8"?>
+<file path=ppt/slides/slide9.xml><?xml version="1.0" encoding="utf-8"?>
 <p:sld xmlns:a="http://schemas.openxmlformats.org/drawingml/2006/main" xmlns:r="http://schemas.openxmlformats.org/officeDocument/2006/relationships" xmlns:p="http://schemas.openxmlformats.org/presentationml/2006/main">
   <p:cSld>
     <p:spTree>
@@ -5047,7 +5228,7 @@
       </p:sp>
       <p:pic>
         <p:nvPicPr>
-          <p:cNvPr id="4" name="Picture 3">
+          <p:cNvPr id="4" name="Picture 3" descr="code snippet screen shot 3" title="code snippet screen shot 3">
             <a:extLst>
               <a:ext uri="{FF2B5EF4-FFF2-40B4-BE49-F238E27FC236}">
                 <a16:creationId xmlns:a16="http://schemas.microsoft.com/office/drawing/2014/main" id="{7CA64C6A-EE04-3F48-9694-401D974CFE91}"/>
@@ -5084,99 +5265,6 @@
     <p:extLst>
       <p:ext uri="{BB962C8B-B14F-4D97-AF65-F5344CB8AC3E}">
         <p14:creationId xmlns:p14="http://schemas.microsoft.com/office/powerpoint/2010/main" val="4028320950"/>
-      </p:ext>
-    </p:extLst>
-  </p:cSld>
-  <p:clrMapOvr>
-    <a:masterClrMapping/>
-  </p:clrMapOvr>
-</p:sld>
-</file>
-
-<file path=ppt/slides/slide9.xml><?xml version="1.0" encoding="utf-8"?>
-<p:sld xmlns:a="http://schemas.openxmlformats.org/drawingml/2006/main" xmlns:r="http://schemas.openxmlformats.org/officeDocument/2006/relationships" xmlns:p="http://schemas.openxmlformats.org/presentationml/2006/main">
-  <p:cSld>
-    <p:spTree>
-      <p:nvGrpSpPr>
-        <p:cNvPr id="1" name=""/>
-        <p:cNvGrpSpPr/>
-        <p:nvPr/>
-      </p:nvGrpSpPr>
-      <p:grpSpPr>
-        <a:xfrm>
-          <a:off x="0" y="0"/>
-          <a:ext cx="0" cy="0"/>
-          <a:chOff x="0" y="0"/>
-          <a:chExt cx="0" cy="0"/>
-        </a:xfrm>
-      </p:grpSpPr>
-      <p:sp>
-        <p:nvSpPr>
-          <p:cNvPr id="2" name="Title 1">
-            <a:extLst>
-              <a:ext uri="{FF2B5EF4-FFF2-40B4-BE49-F238E27FC236}">
-                <a16:creationId xmlns:a16="http://schemas.microsoft.com/office/drawing/2014/main" id="{A6F0B0CB-33F0-D749-880B-9B7929807D80}"/>
-              </a:ext>
-            </a:extLst>
-          </p:cNvPr>
-          <p:cNvSpPr>
-            <a:spLocks noGrp="1"/>
-          </p:cNvSpPr>
-          <p:nvPr>
-            <p:ph type="title"/>
-          </p:nvPr>
-        </p:nvSpPr>
-        <p:spPr/>
-        <p:txBody>
-          <a:bodyPr/>
-          <a:lstStyle/>
-          <a:p>
-            <a:r>
-              <a:rPr lang="en-US" dirty="0"/>
-              <a:t>graph</a:t>
-            </a:r>
-          </a:p>
-        </p:txBody>
-      </p:sp>
-      <p:pic>
-        <p:nvPicPr>
-          <p:cNvPr id="4" name="Picture 3">
-            <a:extLst>
-              <a:ext uri="{FF2B5EF4-FFF2-40B4-BE49-F238E27FC236}">
-                <a16:creationId xmlns:a16="http://schemas.microsoft.com/office/drawing/2014/main" id="{B5FAE0D8-9AA3-F240-9601-121757C380BD}"/>
-              </a:ext>
-            </a:extLst>
-          </p:cNvPr>
-          <p:cNvPicPr>
-            <a:picLocks noChangeAspect="1"/>
-          </p:cNvPicPr>
-          <p:nvPr/>
-        </p:nvPicPr>
-        <p:blipFill>
-          <a:blip r:embed="rId2"/>
-          <a:stretch>
-            <a:fillRect/>
-          </a:stretch>
-        </p:blipFill>
-        <p:spPr>
-          <a:xfrm>
-            <a:off x="464095" y="470881"/>
-            <a:ext cx="11331062" cy="5852160"/>
-          </a:xfrm>
-          <a:prstGeom prst="rect">
-            <a:avLst/>
-          </a:prstGeom>
-          <a:ln w="12700">
-            <a:solidFill>
-              <a:schemeClr val="tx1"/>
-            </a:solidFill>
-          </a:ln>
-        </p:spPr>
-      </p:pic>
-    </p:spTree>
-    <p:extLst>
-      <p:ext uri="{BB962C8B-B14F-4D97-AF65-F5344CB8AC3E}">
-        <p14:creationId xmlns:p14="http://schemas.microsoft.com/office/powerpoint/2010/main" val="3236139298"/>
       </p:ext>
     </p:extLst>
   </p:cSld>

--- a/clinicaltrials_analysis.pptx
+++ b/clinicaltrials_analysis.pptx
@@ -4603,7 +4603,7 @@
           <a:p>
             <a:r>
               <a:rPr lang="en-US" sz="2800" dirty="0"/>
-              <a:t>Scripts – Wanda Whitney and </a:t>
+              <a:t>Scripts – Wanda Whitney, Shirley Lee, </a:t>
             </a:r>
             <a:r>
               <a:rPr lang="en-US" sz="2800" dirty="0" err="1"/>

--- a/clinicaltrials_analysis.pptx
+++ b/clinicaltrials_analysis.pptx
@@ -211,7 +211,7 @@
           <a:p>
             <a:fld id="{366FF626-7C24-7D40-B09E-C156C2A85DA7}" type="datetimeFigureOut">
               <a:rPr lang="en-US" smtClean="0"/>
-              <a:t>5/6/18</a:t>
+              <a:t>5/12/18</a:t>
             </a:fld>
             <a:endParaRPr lang="en-US"/>
           </a:p>
@@ -777,7 +777,7 @@
           <a:p>
             <a:fld id="{1160EA64-D806-43AC-9DF2-F8C432F32B4C}" type="datetimeFigureOut">
               <a:rPr lang="en-US" smtClean="0"/>
-              <a:t>5/6/18</a:t>
+              <a:t>5/12/18</a:t>
             </a:fld>
             <a:endParaRPr lang="en-US" dirty="0"/>
           </a:p>
@@ -948,7 +948,7 @@
           <a:p>
             <a:fld id="{E9F9C37B-1D36-470B-8223-D6C91242EC14}" type="datetimeFigureOut">
               <a:rPr lang="en-US" smtClean="0"/>
-              <a:t>5/6/18</a:t>
+              <a:t>5/12/18</a:t>
             </a:fld>
             <a:endParaRPr lang="en-US" dirty="0"/>
           </a:p>
@@ -1128,7 +1128,7 @@
           <a:p>
             <a:fld id="{67C6F52A-A82B-47A2-A83A-8C4C91F2D59F}" type="datetimeFigureOut">
               <a:rPr lang="en-US" smtClean="0"/>
-              <a:t>5/6/18</a:t>
+              <a:t>5/12/18</a:t>
             </a:fld>
             <a:endParaRPr lang="en-US" dirty="0"/>
           </a:p>
@@ -1298,7 +1298,7 @@
           <a:p>
             <a:fld id="{F070A7B3-6521-4DCA-87E5-044747A908C1}" type="datetimeFigureOut">
               <a:rPr lang="en-US" smtClean="0"/>
-              <a:t>5/6/18</a:t>
+              <a:t>5/12/18</a:t>
             </a:fld>
             <a:endParaRPr lang="en-US" dirty="0"/>
           </a:p>
@@ -1559,7 +1559,7 @@
           <a:p>
             <a:fld id="{1160EA64-D806-43AC-9DF2-F8C432F32B4C}" type="datetimeFigureOut">
               <a:rPr lang="en-US" smtClean="0"/>
-              <a:t>5/6/18</a:t>
+              <a:t>5/12/18</a:t>
             </a:fld>
             <a:endParaRPr lang="en-US" dirty="0"/>
           </a:p>
@@ -1792,7 +1792,7 @@
           <a:p>
             <a:fld id="{AB134690-1557-4C89-A502-4959FE7FAD70}" type="datetimeFigureOut">
               <a:rPr lang="en-US" smtClean="0"/>
-              <a:t>5/6/18</a:t>
+              <a:t>5/12/18</a:t>
             </a:fld>
             <a:endParaRPr lang="en-US" dirty="0"/>
           </a:p>
@@ -2147,7 +2147,7 @@
           <a:p>
             <a:fld id="{4F7D4976-E339-4826-83B7-FBD03F55ECF8}" type="datetimeFigureOut">
               <a:rPr lang="en-US" smtClean="0"/>
-              <a:t>5/6/18</a:t>
+              <a:t>5/12/18</a:t>
             </a:fld>
             <a:endParaRPr lang="en-US" dirty="0"/>
           </a:p>
@@ -2288,7 +2288,7 @@
           <a:p>
             <a:fld id="{E1037C31-9E7A-4F99-8774-A0E530DE1A42}" type="datetimeFigureOut">
               <a:rPr lang="en-US" smtClean="0"/>
-              <a:t>5/6/18</a:t>
+              <a:t>5/12/18</a:t>
             </a:fld>
             <a:endParaRPr lang="en-US" dirty="0"/>
           </a:p>
@@ -2383,7 +2383,7 @@
           <a:p>
             <a:fld id="{C278504F-A551-4DE0-9316-4DCD1D8CC752}" type="datetimeFigureOut">
               <a:rPr lang="en-US" smtClean="0"/>
-              <a:t>5/6/18</a:t>
+              <a:t>5/12/18</a:t>
             </a:fld>
             <a:endParaRPr lang="en-US" dirty="0"/>
           </a:p>
@@ -2740,7 +2740,7 @@
           <a:p>
             <a:fld id="{D1BE4249-C0D0-4B06-8692-E8BB871AF643}" type="datetimeFigureOut">
               <a:rPr lang="en-US" smtClean="0"/>
-              <a:t>5/6/18</a:t>
+              <a:t>5/12/18</a:t>
             </a:fld>
             <a:endParaRPr lang="en-US" dirty="0"/>
           </a:p>
@@ -3058,7 +3058,7 @@
           <a:p>
             <a:fld id="{042B0DB6-F5C7-45FB-8CF3-31B45F9C2DAC}" type="datetimeFigureOut">
               <a:rPr lang="en-US" smtClean="0"/>
-              <a:t>5/6/18</a:t>
+              <a:t>5/12/18</a:t>
             </a:fld>
             <a:endParaRPr lang="en-US" dirty="0"/>
           </a:p>
@@ -3302,7 +3302,7 @@
           <a:p>
             <a:fld id="{1160EA64-D806-43AC-9DF2-F8C432F32B4C}" type="datetimeFigureOut">
               <a:rPr lang="en-US" smtClean="0"/>
-              <a:t>5/6/18</a:t>
+              <a:t>5/12/18</a:t>
             </a:fld>
             <a:endParaRPr lang="en-US" dirty="0"/>
           </a:p>
@@ -3998,10 +3998,10 @@
       </p:sp>
       <p:pic>
         <p:nvPicPr>
-          <p:cNvPr id="4" name="Picture 3" descr="code snippet with visualization" title="code snippet with visualization">
+          <p:cNvPr id="5" name="Picture 4" descr="graph of counts of ipd column" title="graph of counts of ipd column">
             <a:extLst>
               <a:ext uri="{FF2B5EF4-FFF2-40B4-BE49-F238E27FC236}">
-                <a16:creationId xmlns:a16="http://schemas.microsoft.com/office/drawing/2014/main" id="{B5FAE0D8-9AA3-F240-9601-121757C380BD}"/>
+                <a16:creationId xmlns:a16="http://schemas.microsoft.com/office/drawing/2014/main" id="{A8444A45-E54E-504B-96D3-AA667D606942}"/>
               </a:ext>
             </a:extLst>
           </p:cNvPr>
@@ -4018,17 +4018,12 @@
         </p:blipFill>
         <p:spPr>
           <a:xfrm>
-            <a:off x="464095" y="470881"/>
-            <a:ext cx="11331062" cy="5852160"/>
+            <a:off x="72279" y="457200"/>
+            <a:ext cx="12047442" cy="5943600"/>
           </a:xfrm>
           <a:prstGeom prst="rect">
             <a:avLst/>
           </a:prstGeom>
-          <a:ln w="12700">
-            <a:solidFill>
-              <a:schemeClr val="tx1"/>
-            </a:solidFill>
-          </a:ln>
         </p:spPr>
       </p:pic>
     </p:spTree>
@@ -4096,10 +4091,10 @@
       </p:sp>
       <p:pic>
         <p:nvPicPr>
-          <p:cNvPr id="4" name="Picture 3" descr="code snippet screen shot 4" title="code snippet screen shot 4">
+          <p:cNvPr id="5" name="Picture 4" descr="observations from the graph" title="observations from the graph">
             <a:extLst>
               <a:ext uri="{FF2B5EF4-FFF2-40B4-BE49-F238E27FC236}">
-                <a16:creationId xmlns:a16="http://schemas.microsoft.com/office/drawing/2014/main" id="{6205E71B-2D23-8546-BCBA-CBDF4611004A}"/>
+                <a16:creationId xmlns:a16="http://schemas.microsoft.com/office/drawing/2014/main" id="{C5286498-15DB-8240-84AF-DF2B405692D6}"/>
               </a:ext>
             </a:extLst>
           </p:cNvPr>
@@ -4116,17 +4111,12 @@
         </p:blipFill>
         <p:spPr>
           <a:xfrm>
-            <a:off x="0" y="1751856"/>
-            <a:ext cx="12192000" cy="3354287"/>
+            <a:off x="0" y="1123044"/>
+            <a:ext cx="12192000" cy="4611911"/>
           </a:xfrm>
           <a:prstGeom prst="rect">
             <a:avLst/>
           </a:prstGeom>
-          <a:ln w="12700">
-            <a:solidFill>
-              <a:schemeClr val="tx1"/>
-            </a:solidFill>
-          </a:ln>
         </p:spPr>
       </p:pic>
     </p:spTree>
@@ -5078,6 +5068,11 @@
             <a:off x="996575" y="3066335"/>
             <a:ext cx="10198851" cy="2834640"/>
           </a:xfrm>
+          <a:ln w="12700">
+            <a:solidFill>
+              <a:schemeClr val="tx1"/>
+            </a:solidFill>
+          </a:ln>
         </p:spPr>
       </p:pic>
     </p:spTree>
@@ -5166,6 +5161,11 @@
           <a:prstGeom prst="rect">
             <a:avLst/>
           </a:prstGeom>
+          <a:ln w="12700">
+            <a:solidFill>
+              <a:schemeClr val="tx1"/>
+            </a:solidFill>
+          </a:ln>
         </p:spPr>
       </p:pic>
     </p:spTree>

--- a/clinicaltrials_analysis.pptx
+++ b/clinicaltrials_analysis.pptx
@@ -129,6 +129,10 @@
 </p:presentation>
 </file>
 
+<file path=ppt/revisionInfo.xml><?xml version="1.0" encoding="utf-8"?>
+<p1510:revInfo xmlns:a="http://schemas.openxmlformats.org/drawingml/2006/main" xmlns:r="http://schemas.openxmlformats.org/officeDocument/2006/relationships" xmlns:p1510="http://schemas.microsoft.com/office/powerpoint/2015/10/main"/>
+</file>
+
 <file path=ppt/notesMasters/notesMaster1.xml><?xml version="1.0" encoding="utf-8"?>
 <p:notesMaster xmlns:a="http://schemas.openxmlformats.org/drawingml/2006/main" xmlns:r="http://schemas.openxmlformats.org/officeDocument/2006/relationships" xmlns:p="http://schemas.openxmlformats.org/presentationml/2006/main">
   <p:cSld>
@@ -211,7 +215,7 @@
           <a:p>
             <a:fld id="{366FF626-7C24-7D40-B09E-C156C2A85DA7}" type="datetimeFigureOut">
               <a:rPr lang="en-US" smtClean="0"/>
-              <a:t>5/12/18</a:t>
+              <a:t>5/29/2018</a:t>
             </a:fld>
             <a:endParaRPr lang="en-US"/>
           </a:p>
@@ -777,7 +781,7 @@
           <a:p>
             <a:fld id="{1160EA64-D806-43AC-9DF2-F8C432F32B4C}" type="datetimeFigureOut">
               <a:rPr lang="en-US" smtClean="0"/>
-              <a:t>5/12/18</a:t>
+              <a:t>5/29/2018</a:t>
             </a:fld>
             <a:endParaRPr lang="en-US" dirty="0"/>
           </a:p>
@@ -948,7 +952,7 @@
           <a:p>
             <a:fld id="{E9F9C37B-1D36-470B-8223-D6C91242EC14}" type="datetimeFigureOut">
               <a:rPr lang="en-US" smtClean="0"/>
-              <a:t>5/12/18</a:t>
+              <a:t>5/29/2018</a:t>
             </a:fld>
             <a:endParaRPr lang="en-US" dirty="0"/>
           </a:p>
@@ -1128,7 +1132,7 @@
           <a:p>
             <a:fld id="{67C6F52A-A82B-47A2-A83A-8C4C91F2D59F}" type="datetimeFigureOut">
               <a:rPr lang="en-US" smtClean="0"/>
-              <a:t>5/12/18</a:t>
+              <a:t>5/29/2018</a:t>
             </a:fld>
             <a:endParaRPr lang="en-US" dirty="0"/>
           </a:p>
@@ -1298,7 +1302,7 @@
           <a:p>
             <a:fld id="{F070A7B3-6521-4DCA-87E5-044747A908C1}" type="datetimeFigureOut">
               <a:rPr lang="en-US" smtClean="0"/>
-              <a:t>5/12/18</a:t>
+              <a:t>5/29/2018</a:t>
             </a:fld>
             <a:endParaRPr lang="en-US" dirty="0"/>
           </a:p>
@@ -1559,7 +1563,7 @@
           <a:p>
             <a:fld id="{1160EA64-D806-43AC-9DF2-F8C432F32B4C}" type="datetimeFigureOut">
               <a:rPr lang="en-US" smtClean="0"/>
-              <a:t>5/12/18</a:t>
+              <a:t>5/29/2018</a:t>
             </a:fld>
             <a:endParaRPr lang="en-US" dirty="0"/>
           </a:p>
@@ -1792,7 +1796,7 @@
           <a:p>
             <a:fld id="{AB134690-1557-4C89-A502-4959FE7FAD70}" type="datetimeFigureOut">
               <a:rPr lang="en-US" smtClean="0"/>
-              <a:t>5/12/18</a:t>
+              <a:t>5/29/2018</a:t>
             </a:fld>
             <a:endParaRPr lang="en-US" dirty="0"/>
           </a:p>
@@ -2147,7 +2151,7 @@
           <a:p>
             <a:fld id="{4F7D4976-E339-4826-83B7-FBD03F55ECF8}" type="datetimeFigureOut">
               <a:rPr lang="en-US" smtClean="0"/>
-              <a:t>5/12/18</a:t>
+              <a:t>5/29/2018</a:t>
             </a:fld>
             <a:endParaRPr lang="en-US" dirty="0"/>
           </a:p>
@@ -2288,7 +2292,7 @@
           <a:p>
             <a:fld id="{E1037C31-9E7A-4F99-8774-A0E530DE1A42}" type="datetimeFigureOut">
               <a:rPr lang="en-US" smtClean="0"/>
-              <a:t>5/12/18</a:t>
+              <a:t>5/29/2018</a:t>
             </a:fld>
             <a:endParaRPr lang="en-US" dirty="0"/>
           </a:p>
@@ -2383,7 +2387,7 @@
           <a:p>
             <a:fld id="{C278504F-A551-4DE0-9316-4DCD1D8CC752}" type="datetimeFigureOut">
               <a:rPr lang="en-US" smtClean="0"/>
-              <a:t>5/12/18</a:t>
+              <a:t>5/29/2018</a:t>
             </a:fld>
             <a:endParaRPr lang="en-US" dirty="0"/>
           </a:p>
@@ -2740,7 +2744,7 @@
           <a:p>
             <a:fld id="{D1BE4249-C0D0-4B06-8692-E8BB871AF643}" type="datetimeFigureOut">
               <a:rPr lang="en-US" smtClean="0"/>
-              <a:t>5/12/18</a:t>
+              <a:t>5/29/2018</a:t>
             </a:fld>
             <a:endParaRPr lang="en-US" dirty="0"/>
           </a:p>
@@ -3058,7 +3062,7 @@
           <a:p>
             <a:fld id="{042B0DB6-F5C7-45FB-8CF3-31B45F9C2DAC}" type="datetimeFigureOut">
               <a:rPr lang="en-US" smtClean="0"/>
-              <a:t>5/12/18</a:t>
+              <a:t>5/29/2018</a:t>
             </a:fld>
             <a:endParaRPr lang="en-US" dirty="0"/>
           </a:p>
@@ -3302,7 +3306,7 @@
           <a:p>
             <a:fld id="{1160EA64-D806-43AC-9DF2-F8C432F32B4C}" type="datetimeFigureOut">
               <a:rPr lang="en-US" smtClean="0"/>
-              <a:t>5/12/18</a:t>
+              <a:t>5/29/2018</a:t>
             </a:fld>
             <a:endParaRPr lang="en-US" dirty="0"/>
           </a:p>
@@ -5065,10 +5069,10 @@
         </p:blipFill>
         <p:spPr>
           <a:xfrm>
-            <a:off x="996575" y="3066335"/>
-            <a:ext cx="10198851" cy="2834640"/>
+            <a:off x="134813" y="3701441"/>
+            <a:ext cx="11922374" cy="1828800"/>
           </a:xfrm>
-          <a:ln w="12700">
+          <a:ln w="28575">
             <a:solidFill>
               <a:schemeClr val="tx1"/>
             </a:solidFill>
